--- a/Documents/mbed_iot_tutorial.pptx
+++ b/Documents/mbed_iot_tutorial.pptx
@@ -234,7 +234,7 @@
           <a:p>
             <a:fld id="{F659B1F3-185A-454B-941D-593070AE9CE3}" type="datetimeFigureOut">
               <a:rPr lang="en-US" smtClean="0"/>
-              <a:t>11/18/14</a:t>
+              <a:t>4/16/15</a:t>
             </a:fld>
             <a:endParaRPr lang="en-US"/>
           </a:p>
@@ -683,7 +683,7 @@
           <a:p>
             <a:fld id="{7F237A35-B134-9944-AC10-D44C67C0F22B}" type="datetimeFigureOut">
               <a:rPr lang="en-US" smtClean="0"/>
-              <a:t>11/18/14</a:t>
+              <a:t>4/16/15</a:t>
             </a:fld>
             <a:endParaRPr lang="en-US"/>
           </a:p>
@@ -853,7 +853,7 @@
           <a:p>
             <a:fld id="{7F237A35-B134-9944-AC10-D44C67C0F22B}" type="datetimeFigureOut">
               <a:rPr lang="en-US" smtClean="0"/>
-              <a:t>11/18/14</a:t>
+              <a:t>4/16/15</a:t>
             </a:fld>
             <a:endParaRPr lang="en-US"/>
           </a:p>
@@ -1033,7 +1033,7 @@
           <a:p>
             <a:fld id="{7F237A35-B134-9944-AC10-D44C67C0F22B}" type="datetimeFigureOut">
               <a:rPr lang="en-US" smtClean="0"/>
-              <a:t>11/18/14</a:t>
+              <a:t>4/16/15</a:t>
             </a:fld>
             <a:endParaRPr lang="en-US"/>
           </a:p>
@@ -1275,7 +1275,7 @@
           <a:p>
             <a:fld id="{4A9F7538-2E3B-9A47-AA1D-CAF003BD0B91}" type="datetimeFigureOut">
               <a:rPr lang="en-US" smtClean="0"/>
-              <a:t>11/18/14</a:t>
+              <a:t>4/16/15</a:t>
             </a:fld>
             <a:endParaRPr lang="en-US"/>
           </a:p>
@@ -1445,7 +1445,7 @@
           <a:p>
             <a:fld id="{4A9F7538-2E3B-9A47-AA1D-CAF003BD0B91}" type="datetimeFigureOut">
               <a:rPr lang="en-US" smtClean="0"/>
-              <a:t>11/18/14</a:t>
+              <a:t>4/16/15</a:t>
             </a:fld>
             <a:endParaRPr lang="en-US"/>
           </a:p>
@@ -1691,7 +1691,7 @@
           <a:p>
             <a:fld id="{4A9F7538-2E3B-9A47-AA1D-CAF003BD0B91}" type="datetimeFigureOut">
               <a:rPr lang="en-US" smtClean="0"/>
-              <a:t>11/18/14</a:t>
+              <a:t>4/16/15</a:t>
             </a:fld>
             <a:endParaRPr lang="en-US"/>
           </a:p>
@@ -1979,7 +1979,7 @@
           <a:p>
             <a:fld id="{4A9F7538-2E3B-9A47-AA1D-CAF003BD0B91}" type="datetimeFigureOut">
               <a:rPr lang="en-US" smtClean="0"/>
-              <a:t>11/18/14</a:t>
+              <a:t>4/16/15</a:t>
             </a:fld>
             <a:endParaRPr lang="en-US"/>
           </a:p>
@@ -2401,7 +2401,7 @@
           <a:p>
             <a:fld id="{4A9F7538-2E3B-9A47-AA1D-CAF003BD0B91}" type="datetimeFigureOut">
               <a:rPr lang="en-US" smtClean="0"/>
-              <a:t>11/18/14</a:t>
+              <a:t>4/16/15</a:t>
             </a:fld>
             <a:endParaRPr lang="en-US"/>
           </a:p>
@@ -2519,7 +2519,7 @@
           <a:p>
             <a:fld id="{4A9F7538-2E3B-9A47-AA1D-CAF003BD0B91}" type="datetimeFigureOut">
               <a:rPr lang="en-US" smtClean="0"/>
-              <a:t>11/18/14</a:t>
+              <a:t>4/16/15</a:t>
             </a:fld>
             <a:endParaRPr lang="en-US"/>
           </a:p>
@@ -2614,7 +2614,7 @@
           <a:p>
             <a:fld id="{4A9F7538-2E3B-9A47-AA1D-CAF003BD0B91}" type="datetimeFigureOut">
               <a:rPr lang="en-US" smtClean="0"/>
-              <a:t>11/18/14</a:t>
+              <a:t>4/16/15</a:t>
             </a:fld>
             <a:endParaRPr lang="en-US"/>
           </a:p>
@@ -2891,7 +2891,7 @@
           <a:p>
             <a:fld id="{4A9F7538-2E3B-9A47-AA1D-CAF003BD0B91}" type="datetimeFigureOut">
               <a:rPr lang="en-US" smtClean="0"/>
-              <a:t>11/18/14</a:t>
+              <a:t>4/16/15</a:t>
             </a:fld>
             <a:endParaRPr lang="en-US"/>
           </a:p>
@@ -3061,7 +3061,7 @@
           <a:p>
             <a:fld id="{7F237A35-B134-9944-AC10-D44C67C0F22B}" type="datetimeFigureOut">
               <a:rPr lang="en-US" smtClean="0"/>
-              <a:t>11/18/14</a:t>
+              <a:t>4/16/15</a:t>
             </a:fld>
             <a:endParaRPr lang="en-US"/>
           </a:p>
@@ -3314,7 +3314,7 @@
           <a:p>
             <a:fld id="{4A9F7538-2E3B-9A47-AA1D-CAF003BD0B91}" type="datetimeFigureOut">
               <a:rPr lang="en-US" smtClean="0"/>
-              <a:t>11/18/14</a:t>
+              <a:t>4/16/15</a:t>
             </a:fld>
             <a:endParaRPr lang="en-US"/>
           </a:p>
@@ -3484,7 +3484,7 @@
           <a:p>
             <a:fld id="{4A9F7538-2E3B-9A47-AA1D-CAF003BD0B91}" type="datetimeFigureOut">
               <a:rPr lang="en-US" smtClean="0"/>
-              <a:t>11/18/14</a:t>
+              <a:t>4/16/15</a:t>
             </a:fld>
             <a:endParaRPr lang="en-US"/>
           </a:p>
@@ -3664,7 +3664,7 @@
           <a:p>
             <a:fld id="{4A9F7538-2E3B-9A47-AA1D-CAF003BD0B91}" type="datetimeFigureOut">
               <a:rPr lang="en-US" smtClean="0"/>
-              <a:t>11/18/14</a:t>
+              <a:t>4/16/15</a:t>
             </a:fld>
             <a:endParaRPr lang="en-US"/>
           </a:p>
@@ -3910,7 +3910,7 @@
           <a:p>
             <a:fld id="{7F237A35-B134-9944-AC10-D44C67C0F22B}" type="datetimeFigureOut">
               <a:rPr lang="en-US" smtClean="0"/>
-              <a:t>11/18/14</a:t>
+              <a:t>4/16/15</a:t>
             </a:fld>
             <a:endParaRPr lang="en-US"/>
           </a:p>
@@ -4198,7 +4198,7 @@
           <a:p>
             <a:fld id="{7F237A35-B134-9944-AC10-D44C67C0F22B}" type="datetimeFigureOut">
               <a:rPr lang="en-US" smtClean="0"/>
-              <a:t>11/18/14</a:t>
+              <a:t>4/16/15</a:t>
             </a:fld>
             <a:endParaRPr lang="en-US"/>
           </a:p>
@@ -4620,7 +4620,7 @@
           <a:p>
             <a:fld id="{7F237A35-B134-9944-AC10-D44C67C0F22B}" type="datetimeFigureOut">
               <a:rPr lang="en-US" smtClean="0"/>
-              <a:t>11/18/14</a:t>
+              <a:t>4/16/15</a:t>
             </a:fld>
             <a:endParaRPr lang="en-US"/>
           </a:p>
@@ -4738,7 +4738,7 @@
           <a:p>
             <a:fld id="{7F237A35-B134-9944-AC10-D44C67C0F22B}" type="datetimeFigureOut">
               <a:rPr lang="en-US" smtClean="0"/>
-              <a:t>11/18/14</a:t>
+              <a:t>4/16/15</a:t>
             </a:fld>
             <a:endParaRPr lang="en-US"/>
           </a:p>
@@ -4833,7 +4833,7 @@
           <a:p>
             <a:fld id="{7F237A35-B134-9944-AC10-D44C67C0F22B}" type="datetimeFigureOut">
               <a:rPr lang="en-US" smtClean="0"/>
-              <a:t>11/18/14</a:t>
+              <a:t>4/16/15</a:t>
             </a:fld>
             <a:endParaRPr lang="en-US"/>
           </a:p>
@@ -5110,7 +5110,7 @@
           <a:p>
             <a:fld id="{7F237A35-B134-9944-AC10-D44C67C0F22B}" type="datetimeFigureOut">
               <a:rPr lang="en-US" smtClean="0"/>
-              <a:t>11/18/14</a:t>
+              <a:t>4/16/15</a:t>
             </a:fld>
             <a:endParaRPr lang="en-US"/>
           </a:p>
@@ -5363,7 +5363,7 @@
           <a:p>
             <a:fld id="{7F237A35-B134-9944-AC10-D44C67C0F22B}" type="datetimeFigureOut">
               <a:rPr lang="en-US" smtClean="0"/>
-              <a:t>11/18/14</a:t>
+              <a:t>4/16/15</a:t>
             </a:fld>
             <a:endParaRPr lang="en-US"/>
           </a:p>
@@ -5576,7 +5576,7 @@
           <a:p>
             <a:fld id="{7F237A35-B134-9944-AC10-D44C67C0F22B}" type="datetimeFigureOut">
               <a:rPr lang="en-US" smtClean="0"/>
-              <a:t>11/18/14</a:t>
+              <a:t>4/16/15</a:t>
             </a:fld>
             <a:endParaRPr lang="en-US"/>
           </a:p>
@@ -6086,7 +6086,7 @@
           <a:p>
             <a:fld id="{4A9F7538-2E3B-9A47-AA1D-CAF003BD0B91}" type="datetimeFigureOut">
               <a:rPr lang="en-US" smtClean="0"/>
-              <a:t>11/18/14</a:t>
+              <a:t>4/16/15</a:t>
             </a:fld>
             <a:endParaRPr lang="en-US"/>
           </a:p>
@@ -16142,12 +16142,12 @@
           <a:graphicData uri="http://schemas.openxmlformats.org/presentationml/2006/ole">
             <mc:AlternateContent xmlns:mc="http://schemas.openxmlformats.org/markup-compatibility/2006">
               <mc:Choice xmlns:v="urn:schemas-microsoft-com:vml" Requires="v">
-                <p:oleObj spid="_x0000_s4196" name="Document" r:id="rId4" imgW="6540500" imgH="4483100" progId="Word.Document.12">
+                <p:oleObj spid="_x0000_s4199" name="Document" r:id="rId3" imgW="6540500" imgH="4483100" progId="Word.Document.12">
                   <p:embed/>
                 </p:oleObj>
               </mc:Choice>
               <mc:Fallback>
-                <p:oleObj name="Document" r:id="rId4" imgW="6540500" imgH="4483100" progId="Word.Document.12">
+                <p:oleObj name="Document" r:id="rId3" imgW="6540500" imgH="4483100" progId="Word.Document.12">
                   <p:embed/>
                   <p:pic>
                     <p:nvPicPr>
@@ -16156,7 +16156,7 @@
                       <p:nvPr/>
                     </p:nvPicPr>
                     <p:blipFill>
-                      <a:blip r:embed="rId5"/>
+                      <a:blip r:embed="rId4"/>
                       <a:stretch>
                         <a:fillRect/>
                       </a:stretch>
@@ -16326,7 +16326,7 @@
           <a:graphicData uri="http://schemas.openxmlformats.org/presentationml/2006/ole">
             <mc:AlternateContent xmlns:mc="http://schemas.openxmlformats.org/markup-compatibility/2006">
               <mc:Choice xmlns:v="urn:schemas-microsoft-com:vml" Requires="v">
-                <p:oleObj spid="_x0000_s5219" name="Document" r:id="rId3" imgW="6946644" imgH="2946292" progId="Word.Document.12">
+                <p:oleObj spid="_x0000_s5222" name="Document" r:id="rId3" imgW="6946644" imgH="2946292" progId="Word.Document.12">
                   <p:link updateAutomatic="1"/>
                 </p:oleObj>
               </mc:Choice>
@@ -18846,14 +18846,7 @@
                 <a:latin typeface="Arial"/>
                 <a:cs typeface="Arial"/>
               </a:rPr>
-              <a:t>Semantic </a:t>
-            </a:r>
-            <a:r>
-              <a:rPr lang="en-US" sz="2000" dirty="0" smtClean="0">
-                <a:latin typeface="Arial"/>
-                <a:cs typeface="Arial"/>
-              </a:rPr>
-              <a:t>annotation (not part of LWM2M Standard) uses core-link-format metadata for semantic description</a:t>
+              <a:t>Semantic annotation (not part of LWM2M Standard) uses core-link-format metadata for semantic description</a:t>
             </a:r>
           </a:p>
           <a:p>
@@ -19347,12 +19340,12 @@
           <a:graphicData uri="http://schemas.openxmlformats.org/presentationml/2006/ole">
             <mc:AlternateContent xmlns:mc="http://schemas.openxmlformats.org/markup-compatibility/2006">
               <mc:Choice xmlns:v="urn:schemas-microsoft-com:vml" Requires="v">
-                <p:oleObj spid="_x0000_s6234" name="Document" r:id="rId4" imgW="7099300" imgH="6197600" progId="Word.Document.12">
+                <p:oleObj spid="_x0000_s6237" name="Document" r:id="rId3" imgW="7099300" imgH="6197600" progId="Word.Document.12">
                   <p:embed/>
                 </p:oleObj>
               </mc:Choice>
               <mc:Fallback>
-                <p:oleObj name="Document" r:id="rId4" imgW="7099300" imgH="6197600" progId="Word.Document.12">
+                <p:oleObj name="Document" r:id="rId3" imgW="7099300" imgH="6197600" progId="Word.Document.12">
                   <p:embed/>
                   <p:pic>
                     <p:nvPicPr>
@@ -19361,7 +19354,7 @@
                       <p:nvPr/>
                     </p:nvPicPr>
                     <p:blipFill>
-                      <a:blip r:embed="rId5"/>
+                      <a:blip r:embed="rId4"/>
                       <a:stretch>
                         <a:fillRect/>
                       </a:stretch>
@@ -19531,12 +19524,12 @@
           <a:graphicData uri="http://schemas.openxmlformats.org/presentationml/2006/ole">
             <mc:AlternateContent xmlns:mc="http://schemas.openxmlformats.org/markup-compatibility/2006">
               <mc:Choice xmlns:v="urn:schemas-microsoft-com:vml" Requires="v">
-                <p:oleObj spid="_x0000_s7341" name="Document" r:id="rId4" imgW="7099300" imgH="5130800" progId="Word.Document.12">
+                <p:oleObj spid="_x0000_s7346" name="Document" r:id="rId3" imgW="7099300" imgH="5130800" progId="Word.Document.12">
                   <p:embed/>
                 </p:oleObj>
               </mc:Choice>
               <mc:Fallback>
-                <p:oleObj name="Document" r:id="rId4" imgW="7099300" imgH="5130800" progId="Word.Document.12">
+                <p:oleObj name="Document" r:id="rId3" imgW="7099300" imgH="5130800" progId="Word.Document.12">
                   <p:embed/>
                   <p:pic>
                     <p:nvPicPr>
@@ -19545,7 +19538,7 @@
                       <p:nvPr/>
                     </p:nvPicPr>
                     <p:blipFill>
-                      <a:blip r:embed="rId5"/>
+                      <a:blip r:embed="rId4"/>
                       <a:stretch>
                         <a:fillRect/>
                       </a:stretch>
@@ -19588,12 +19581,12 @@
           <a:graphicData uri="http://schemas.openxmlformats.org/presentationml/2006/ole">
             <mc:AlternateContent xmlns:mc="http://schemas.openxmlformats.org/markup-compatibility/2006">
               <mc:Choice xmlns:v="urn:schemas-microsoft-com:vml" Requires="v">
-                <p:oleObj spid="_x0000_s7342" name="Document" r:id="rId7" imgW="6985000" imgH="5003800" progId="Word.Document.12">
+                <p:oleObj spid="_x0000_s7347" name="Document" r:id="rId5" imgW="6985000" imgH="5003800" progId="Word.Document.12">
                   <p:embed/>
                 </p:oleObj>
               </mc:Choice>
               <mc:Fallback>
-                <p:oleObj name="Document" r:id="rId7" imgW="6985000" imgH="5003800" progId="Word.Document.12">
+                <p:oleObj name="Document" r:id="rId5" imgW="6985000" imgH="5003800" progId="Word.Document.12">
                   <p:embed/>
                   <p:pic>
                     <p:nvPicPr>
@@ -19602,7 +19595,7 @@
                       <p:nvPr/>
                     </p:nvPicPr>
                     <p:blipFill>
-                      <a:blip r:embed="rId8"/>
+                      <a:blip r:embed="rId6"/>
                       <a:stretch>
                         <a:fillRect/>
                       </a:stretch>
@@ -30053,7 +30046,7 @@
                 <a:latin typeface="Helvetica Neue Light"/>
                 <a:cs typeface="Helvetica Neue Light"/>
               </a:rPr>
-              <a:t>mbed</a:t>
+              <a:t>CoAP</a:t>
             </a:r>
             <a:r>
               <a:rPr lang="en-US" sz="3600" dirty="0" smtClean="0">
@@ -30063,27 +30056,7 @@
                 <a:latin typeface="Helvetica Neue Light"/>
                 <a:cs typeface="Helvetica Neue Light"/>
               </a:rPr>
-              <a:t> Java Client in BLE-</a:t>
-            </a:r>
-            <a:r>
-              <a:rPr lang="en-US" sz="3600" dirty="0" err="1" smtClean="0">
-                <a:solidFill>
-                  <a:schemeClr val="bg1"/>
-                </a:solidFill>
-                <a:latin typeface="Helvetica Neue Light"/>
-                <a:cs typeface="Helvetica Neue Light"/>
-              </a:rPr>
-              <a:t>CoAP</a:t>
-            </a:r>
-            <a:r>
-              <a:rPr lang="en-US" sz="3600" dirty="0" smtClean="0">
-                <a:solidFill>
-                  <a:schemeClr val="bg1"/>
-                </a:solidFill>
-                <a:latin typeface="Helvetica Neue Light"/>
-                <a:cs typeface="Helvetica Neue Light"/>
-              </a:rPr>
-              <a:t> Proxy</a:t>
+              <a:t> over BLE </a:t>
             </a:r>
             <a:endParaRPr lang="en-US" sz="3600" dirty="0">
               <a:solidFill>
@@ -30527,7 +30500,7 @@
                   <a:schemeClr val="tx1"/>
                 </a:solidFill>
               </a:rPr>
-              <a:t>APP</a:t>
+              <a:t>BR</a:t>
             </a:r>
             <a:endParaRPr lang="en-US" sz="1100" dirty="0">
               <a:solidFill>
@@ -31372,8 +31345,8 @@
         </p:nvSpPr>
         <p:spPr>
           <a:xfrm>
-            <a:off x="4608525" y="5266337"/>
-            <a:ext cx="1774845" cy="369332"/>
+            <a:off x="4734844" y="5266337"/>
+            <a:ext cx="1522209" cy="369332"/>
           </a:xfrm>
           <a:prstGeom prst="rect">
             <a:avLst/>
@@ -31390,16 +31363,8 @@
           <a:p>
             <a:pPr algn="ctr"/>
             <a:r>
-              <a:rPr lang="en-US" dirty="0" err="1"/>
-              <a:t>mbed</a:t>
-            </a:r>
-            <a:r>
-              <a:rPr lang="en-US" dirty="0"/>
-              <a:t> </a:t>
-            </a:r>
-            <a:r>
               <a:rPr lang="en-US" dirty="0" smtClean="0"/>
-              <a:t>Java Client</a:t>
+              <a:t>Border Router</a:t>
             </a:r>
             <a:endParaRPr lang="en-US" dirty="0"/>
           </a:p>
@@ -31786,7 +31751,7 @@
                   <a:srgbClr val="000000"/>
                 </a:solidFill>
               </a:rPr>
-              <a:t>READ</a:t>
+              <a:t>GET</a:t>
             </a:r>
             <a:endParaRPr lang="en-US" dirty="0">
               <a:solidFill>

--- a/Documents/mbed_iot_tutorial.pptx
+++ b/Documents/mbed_iot_tutorial.pptx
@@ -234,7 +234,7 @@
           <a:p>
             <a:fld id="{F659B1F3-185A-454B-941D-593070AE9CE3}" type="datetimeFigureOut">
               <a:rPr lang="en-US" smtClean="0"/>
-              <a:t>4/16/15</a:t>
+              <a:t>4/21/15</a:t>
             </a:fld>
             <a:endParaRPr lang="en-US"/>
           </a:p>
@@ -683,7 +683,7 @@
           <a:p>
             <a:fld id="{7F237A35-B134-9944-AC10-D44C67C0F22B}" type="datetimeFigureOut">
               <a:rPr lang="en-US" smtClean="0"/>
-              <a:t>4/16/15</a:t>
+              <a:t>4/21/15</a:t>
             </a:fld>
             <a:endParaRPr lang="en-US"/>
           </a:p>
@@ -853,7 +853,7 @@
           <a:p>
             <a:fld id="{7F237A35-B134-9944-AC10-D44C67C0F22B}" type="datetimeFigureOut">
               <a:rPr lang="en-US" smtClean="0"/>
-              <a:t>4/16/15</a:t>
+              <a:t>4/21/15</a:t>
             </a:fld>
             <a:endParaRPr lang="en-US"/>
           </a:p>
@@ -1033,7 +1033,7 @@
           <a:p>
             <a:fld id="{7F237A35-B134-9944-AC10-D44C67C0F22B}" type="datetimeFigureOut">
               <a:rPr lang="en-US" smtClean="0"/>
-              <a:t>4/16/15</a:t>
+              <a:t>4/21/15</a:t>
             </a:fld>
             <a:endParaRPr lang="en-US"/>
           </a:p>
@@ -1275,7 +1275,7 @@
           <a:p>
             <a:fld id="{4A9F7538-2E3B-9A47-AA1D-CAF003BD0B91}" type="datetimeFigureOut">
               <a:rPr lang="en-US" smtClean="0"/>
-              <a:t>4/16/15</a:t>
+              <a:t>4/21/15</a:t>
             </a:fld>
             <a:endParaRPr lang="en-US"/>
           </a:p>
@@ -1445,7 +1445,7 @@
           <a:p>
             <a:fld id="{4A9F7538-2E3B-9A47-AA1D-CAF003BD0B91}" type="datetimeFigureOut">
               <a:rPr lang="en-US" smtClean="0"/>
-              <a:t>4/16/15</a:t>
+              <a:t>4/21/15</a:t>
             </a:fld>
             <a:endParaRPr lang="en-US"/>
           </a:p>
@@ -1691,7 +1691,7 @@
           <a:p>
             <a:fld id="{4A9F7538-2E3B-9A47-AA1D-CAF003BD0B91}" type="datetimeFigureOut">
               <a:rPr lang="en-US" smtClean="0"/>
-              <a:t>4/16/15</a:t>
+              <a:t>4/21/15</a:t>
             </a:fld>
             <a:endParaRPr lang="en-US"/>
           </a:p>
@@ -1979,7 +1979,7 @@
           <a:p>
             <a:fld id="{4A9F7538-2E3B-9A47-AA1D-CAF003BD0B91}" type="datetimeFigureOut">
               <a:rPr lang="en-US" smtClean="0"/>
-              <a:t>4/16/15</a:t>
+              <a:t>4/21/15</a:t>
             </a:fld>
             <a:endParaRPr lang="en-US"/>
           </a:p>
@@ -2401,7 +2401,7 @@
           <a:p>
             <a:fld id="{4A9F7538-2E3B-9A47-AA1D-CAF003BD0B91}" type="datetimeFigureOut">
               <a:rPr lang="en-US" smtClean="0"/>
-              <a:t>4/16/15</a:t>
+              <a:t>4/21/15</a:t>
             </a:fld>
             <a:endParaRPr lang="en-US"/>
           </a:p>
@@ -2519,7 +2519,7 @@
           <a:p>
             <a:fld id="{4A9F7538-2E3B-9A47-AA1D-CAF003BD0B91}" type="datetimeFigureOut">
               <a:rPr lang="en-US" smtClean="0"/>
-              <a:t>4/16/15</a:t>
+              <a:t>4/21/15</a:t>
             </a:fld>
             <a:endParaRPr lang="en-US"/>
           </a:p>
@@ -2614,7 +2614,7 @@
           <a:p>
             <a:fld id="{4A9F7538-2E3B-9A47-AA1D-CAF003BD0B91}" type="datetimeFigureOut">
               <a:rPr lang="en-US" smtClean="0"/>
-              <a:t>4/16/15</a:t>
+              <a:t>4/21/15</a:t>
             </a:fld>
             <a:endParaRPr lang="en-US"/>
           </a:p>
@@ -2891,7 +2891,7 @@
           <a:p>
             <a:fld id="{4A9F7538-2E3B-9A47-AA1D-CAF003BD0B91}" type="datetimeFigureOut">
               <a:rPr lang="en-US" smtClean="0"/>
-              <a:t>4/16/15</a:t>
+              <a:t>4/21/15</a:t>
             </a:fld>
             <a:endParaRPr lang="en-US"/>
           </a:p>
@@ -3061,7 +3061,7 @@
           <a:p>
             <a:fld id="{7F237A35-B134-9944-AC10-D44C67C0F22B}" type="datetimeFigureOut">
               <a:rPr lang="en-US" smtClean="0"/>
-              <a:t>4/16/15</a:t>
+              <a:t>4/21/15</a:t>
             </a:fld>
             <a:endParaRPr lang="en-US"/>
           </a:p>
@@ -3314,7 +3314,7 @@
           <a:p>
             <a:fld id="{4A9F7538-2E3B-9A47-AA1D-CAF003BD0B91}" type="datetimeFigureOut">
               <a:rPr lang="en-US" smtClean="0"/>
-              <a:t>4/16/15</a:t>
+              <a:t>4/21/15</a:t>
             </a:fld>
             <a:endParaRPr lang="en-US"/>
           </a:p>
@@ -3484,7 +3484,7 @@
           <a:p>
             <a:fld id="{4A9F7538-2E3B-9A47-AA1D-CAF003BD0B91}" type="datetimeFigureOut">
               <a:rPr lang="en-US" smtClean="0"/>
-              <a:t>4/16/15</a:t>
+              <a:t>4/21/15</a:t>
             </a:fld>
             <a:endParaRPr lang="en-US"/>
           </a:p>
@@ -3664,7 +3664,7 @@
           <a:p>
             <a:fld id="{4A9F7538-2E3B-9A47-AA1D-CAF003BD0B91}" type="datetimeFigureOut">
               <a:rPr lang="en-US" smtClean="0"/>
-              <a:t>4/16/15</a:t>
+              <a:t>4/21/15</a:t>
             </a:fld>
             <a:endParaRPr lang="en-US"/>
           </a:p>
@@ -3910,7 +3910,7 @@
           <a:p>
             <a:fld id="{7F237A35-B134-9944-AC10-D44C67C0F22B}" type="datetimeFigureOut">
               <a:rPr lang="en-US" smtClean="0"/>
-              <a:t>4/16/15</a:t>
+              <a:t>4/21/15</a:t>
             </a:fld>
             <a:endParaRPr lang="en-US"/>
           </a:p>
@@ -4198,7 +4198,7 @@
           <a:p>
             <a:fld id="{7F237A35-B134-9944-AC10-D44C67C0F22B}" type="datetimeFigureOut">
               <a:rPr lang="en-US" smtClean="0"/>
-              <a:t>4/16/15</a:t>
+              <a:t>4/21/15</a:t>
             </a:fld>
             <a:endParaRPr lang="en-US"/>
           </a:p>
@@ -4620,7 +4620,7 @@
           <a:p>
             <a:fld id="{7F237A35-B134-9944-AC10-D44C67C0F22B}" type="datetimeFigureOut">
               <a:rPr lang="en-US" smtClean="0"/>
-              <a:t>4/16/15</a:t>
+              <a:t>4/21/15</a:t>
             </a:fld>
             <a:endParaRPr lang="en-US"/>
           </a:p>
@@ -4738,7 +4738,7 @@
           <a:p>
             <a:fld id="{7F237A35-B134-9944-AC10-D44C67C0F22B}" type="datetimeFigureOut">
               <a:rPr lang="en-US" smtClean="0"/>
-              <a:t>4/16/15</a:t>
+              <a:t>4/21/15</a:t>
             </a:fld>
             <a:endParaRPr lang="en-US"/>
           </a:p>
@@ -4833,7 +4833,7 @@
           <a:p>
             <a:fld id="{7F237A35-B134-9944-AC10-D44C67C0F22B}" type="datetimeFigureOut">
               <a:rPr lang="en-US" smtClean="0"/>
-              <a:t>4/16/15</a:t>
+              <a:t>4/21/15</a:t>
             </a:fld>
             <a:endParaRPr lang="en-US"/>
           </a:p>
@@ -5110,7 +5110,7 @@
           <a:p>
             <a:fld id="{7F237A35-B134-9944-AC10-D44C67C0F22B}" type="datetimeFigureOut">
               <a:rPr lang="en-US" smtClean="0"/>
-              <a:t>4/16/15</a:t>
+              <a:t>4/21/15</a:t>
             </a:fld>
             <a:endParaRPr lang="en-US"/>
           </a:p>
@@ -5363,7 +5363,7 @@
           <a:p>
             <a:fld id="{7F237A35-B134-9944-AC10-D44C67C0F22B}" type="datetimeFigureOut">
               <a:rPr lang="en-US" smtClean="0"/>
-              <a:t>4/16/15</a:t>
+              <a:t>4/21/15</a:t>
             </a:fld>
             <a:endParaRPr lang="en-US"/>
           </a:p>
@@ -5576,7 +5576,7 @@
           <a:p>
             <a:fld id="{7F237A35-B134-9944-AC10-D44C67C0F22B}" type="datetimeFigureOut">
               <a:rPr lang="en-US" smtClean="0"/>
-              <a:t>4/16/15</a:t>
+              <a:t>4/21/15</a:t>
             </a:fld>
             <a:endParaRPr lang="en-US"/>
           </a:p>
@@ -6086,7 +6086,7 @@
           <a:p>
             <a:fld id="{4A9F7538-2E3B-9A47-AA1D-CAF003BD0B91}" type="datetimeFigureOut">
               <a:rPr lang="en-US" smtClean="0"/>
-              <a:t>4/16/15</a:t>
+              <a:t>4/21/15</a:t>
             </a:fld>
             <a:endParaRPr lang="en-US"/>
           </a:p>
@@ -7049,7 +7049,7 @@
                   <a:schemeClr val="tx1"/>
                 </a:solidFill>
               </a:rPr>
-              <a:t>APP</a:t>
+              <a:t>BR</a:t>
             </a:r>
             <a:endParaRPr lang="en-US" sz="1100" dirty="0">
               <a:solidFill>
@@ -7835,6 +7835,76 @@
           </a:p>
         </p:txBody>
       </p:sp>
+      <p:sp>
+        <p:nvSpPr>
+          <p:cNvPr id="37" name="Rectangle 36"/>
+          <p:cNvSpPr/>
+          <p:nvPr/>
+        </p:nvSpPr>
+        <p:spPr>
+          <a:xfrm>
+            <a:off x="4734844" y="5266337"/>
+            <a:ext cx="1522209" cy="369332"/>
+          </a:xfrm>
+          <a:prstGeom prst="rect">
+            <a:avLst/>
+          </a:prstGeom>
+          <a:solidFill>
+            <a:srgbClr val="93CDDD"/>
+          </a:solidFill>
+        </p:spPr>
+        <p:txBody>
+          <a:bodyPr wrap="none">
+            <a:spAutoFit/>
+          </a:bodyPr>
+          <a:lstStyle/>
+          <a:p>
+            <a:pPr algn="ctr"/>
+            <a:r>
+              <a:rPr lang="en-US" dirty="0" smtClean="0"/>
+              <a:t>Border Router</a:t>
+            </a:r>
+            <a:endParaRPr lang="en-US" dirty="0"/>
+          </a:p>
+        </p:txBody>
+      </p:sp>
+      <p:cxnSp>
+        <p:nvCxnSpPr>
+          <p:cNvPr id="38" name="Straight Arrow Connector 37"/>
+          <p:cNvCxnSpPr/>
+          <p:nvPr/>
+        </p:nvCxnSpPr>
+        <p:spPr>
+          <a:xfrm flipH="1" flipV="1">
+            <a:off x="4455196" y="4928973"/>
+            <a:ext cx="561333" cy="337364"/>
+          </a:xfrm>
+          <a:prstGeom prst="straightConnector1">
+            <a:avLst/>
+          </a:prstGeom>
+          <a:ln>
+            <a:solidFill>
+              <a:schemeClr val="tx1"/>
+            </a:solidFill>
+            <a:prstDash val="dash"/>
+            <a:tailEnd type="arrow"/>
+          </a:ln>
+        </p:spPr>
+        <p:style>
+          <a:lnRef idx="2">
+            <a:schemeClr val="accent1"/>
+          </a:lnRef>
+          <a:fillRef idx="0">
+            <a:schemeClr val="accent1"/>
+          </a:fillRef>
+          <a:effectRef idx="1">
+            <a:schemeClr val="accent1"/>
+          </a:effectRef>
+          <a:fontRef idx="minor">
+            <a:schemeClr val="tx1"/>
+          </a:fontRef>
+        </p:style>
+      </p:cxnSp>
     </p:spTree>
     <p:extLst>
       <p:ext uri="{BB962C8B-B14F-4D97-AF65-F5344CB8AC3E}">
@@ -16142,7 +16212,7 @@
           <a:graphicData uri="http://schemas.openxmlformats.org/presentationml/2006/ole">
             <mc:AlternateContent xmlns:mc="http://schemas.openxmlformats.org/markup-compatibility/2006">
               <mc:Choice xmlns:v="urn:schemas-microsoft-com:vml" Requires="v">
-                <p:oleObj spid="_x0000_s4199" name="Document" r:id="rId3" imgW="6540500" imgH="4483100" progId="Word.Document.12">
+                <p:oleObj spid="_x0000_s4203" name="Document" r:id="rId3" imgW="6540500" imgH="4483100" progId="Word.Document.12">
                   <p:embed/>
                 </p:oleObj>
               </mc:Choice>
@@ -16326,7 +16396,7 @@
           <a:graphicData uri="http://schemas.openxmlformats.org/presentationml/2006/ole">
             <mc:AlternateContent xmlns:mc="http://schemas.openxmlformats.org/markup-compatibility/2006">
               <mc:Choice xmlns:v="urn:schemas-microsoft-com:vml" Requires="v">
-                <p:oleObj spid="_x0000_s5222" name="Document" r:id="rId3" imgW="6946644" imgH="2946292" progId="Word.Document.12">
+                <p:oleObj spid="_x0000_s5226" name="Document" r:id="rId3" imgW="6946644" imgH="2946292" progId="Word.Document.12">
                   <p:link updateAutomatic="1"/>
                 </p:oleObj>
               </mc:Choice>
@@ -19340,7 +19410,7 @@
           <a:graphicData uri="http://schemas.openxmlformats.org/presentationml/2006/ole">
             <mc:AlternateContent xmlns:mc="http://schemas.openxmlformats.org/markup-compatibility/2006">
               <mc:Choice xmlns:v="urn:schemas-microsoft-com:vml" Requires="v">
-                <p:oleObj spid="_x0000_s6237" name="Document" r:id="rId3" imgW="7099300" imgH="6197600" progId="Word.Document.12">
+                <p:oleObj spid="_x0000_s6241" name="Document" r:id="rId3" imgW="7099300" imgH="6197600" progId="Word.Document.12">
                   <p:embed/>
                 </p:oleObj>
               </mc:Choice>
@@ -19524,7 +19594,7 @@
           <a:graphicData uri="http://schemas.openxmlformats.org/presentationml/2006/ole">
             <mc:AlternateContent xmlns:mc="http://schemas.openxmlformats.org/markup-compatibility/2006">
               <mc:Choice xmlns:v="urn:schemas-microsoft-com:vml" Requires="v">
-                <p:oleObj spid="_x0000_s7346" name="Document" r:id="rId3" imgW="7099300" imgH="5130800" progId="Word.Document.12">
+                <p:oleObj spid="_x0000_s7353" name="Document" r:id="rId3" imgW="7099300" imgH="5130800" progId="Word.Document.12">
                   <p:embed/>
                 </p:oleObj>
               </mc:Choice>
@@ -19581,7 +19651,7 @@
           <a:graphicData uri="http://schemas.openxmlformats.org/presentationml/2006/ole">
             <mc:AlternateContent xmlns:mc="http://schemas.openxmlformats.org/markup-compatibility/2006">
               <mc:Choice xmlns:v="urn:schemas-microsoft-com:vml" Requires="v">
-                <p:oleObj spid="_x0000_s7347" name="Document" r:id="rId5" imgW="6985000" imgH="5003800" progId="Word.Document.12">
+                <p:oleObj spid="_x0000_s7354" name="Document" r:id="rId5" imgW="6985000" imgH="5003800" progId="Word.Document.12">
                   <p:embed/>
                 </p:oleObj>
               </mc:Choice>
@@ -21609,7 +21679,7 @@
                   <a:schemeClr val="tx1"/>
                 </a:solidFill>
               </a:rPr>
-              <a:t>APP</a:t>
+              <a:t>BR</a:t>
             </a:r>
             <a:endParaRPr lang="en-US" sz="1100" dirty="0">
               <a:solidFill>
@@ -22454,8 +22524,8 @@
         </p:nvSpPr>
         <p:spPr>
           <a:xfrm>
-            <a:off x="4608525" y="5266337"/>
-            <a:ext cx="1774845" cy="369332"/>
+            <a:off x="4541095" y="5266337"/>
+            <a:ext cx="1909710" cy="369332"/>
           </a:xfrm>
           <a:prstGeom prst="rect">
             <a:avLst/>
@@ -22472,16 +22542,8 @@
           <a:p>
             <a:pPr algn="ctr"/>
             <a:r>
-              <a:rPr lang="en-US" dirty="0" err="1"/>
-              <a:t>mbed</a:t>
-            </a:r>
-            <a:r>
-              <a:rPr lang="en-US" dirty="0"/>
-              <a:t> </a:t>
-            </a:r>
-            <a:r>
               <a:rPr lang="en-US" dirty="0" smtClean="0"/>
-              <a:t>Java Client</a:t>
+              <a:t>BLE Border Router</a:t>
             </a:r>
             <a:endParaRPr lang="en-US" dirty="0"/>
           </a:p>
@@ -23215,7 +23277,7 @@
                   <a:schemeClr val="tx1"/>
                 </a:solidFill>
               </a:rPr>
-              <a:t>APP</a:t>
+              <a:t>BR</a:t>
             </a:r>
             <a:endParaRPr lang="en-US" sz="1100" dirty="0">
               <a:solidFill>
@@ -24052,84 +24114,6 @@
           </a:p>
         </p:txBody>
       </p:sp>
-      <p:sp>
-        <p:nvSpPr>
-          <p:cNvPr id="3" name="Rectangle 2"/>
-          <p:cNvSpPr/>
-          <p:nvPr/>
-        </p:nvSpPr>
-        <p:spPr>
-          <a:xfrm>
-            <a:off x="4608525" y="5266337"/>
-            <a:ext cx="1774845" cy="369332"/>
-          </a:xfrm>
-          <a:prstGeom prst="rect">
-            <a:avLst/>
-          </a:prstGeom>
-          <a:solidFill>
-            <a:srgbClr val="93CDDD"/>
-          </a:solidFill>
-        </p:spPr>
-        <p:txBody>
-          <a:bodyPr wrap="none">
-            <a:spAutoFit/>
-          </a:bodyPr>
-          <a:lstStyle/>
-          <a:p>
-            <a:pPr algn="ctr"/>
-            <a:r>
-              <a:rPr lang="en-US" dirty="0" err="1"/>
-              <a:t>mbed</a:t>
-            </a:r>
-            <a:r>
-              <a:rPr lang="en-US" dirty="0"/>
-              <a:t> </a:t>
-            </a:r>
-            <a:r>
-              <a:rPr lang="en-US" dirty="0" smtClean="0"/>
-              <a:t>Java Client</a:t>
-            </a:r>
-            <a:endParaRPr lang="en-US" dirty="0"/>
-          </a:p>
-        </p:txBody>
-      </p:sp>
-      <p:cxnSp>
-        <p:nvCxnSpPr>
-          <p:cNvPr id="37" name="Straight Arrow Connector 36"/>
-          <p:cNvCxnSpPr/>
-          <p:nvPr/>
-        </p:nvCxnSpPr>
-        <p:spPr>
-          <a:xfrm flipH="1" flipV="1">
-            <a:off x="4455196" y="4928973"/>
-            <a:ext cx="561333" cy="337364"/>
-          </a:xfrm>
-          <a:prstGeom prst="straightConnector1">
-            <a:avLst/>
-          </a:prstGeom>
-          <a:ln>
-            <a:solidFill>
-              <a:schemeClr val="tx1"/>
-            </a:solidFill>
-            <a:prstDash val="dash"/>
-            <a:tailEnd type="arrow"/>
-          </a:ln>
-        </p:spPr>
-        <p:style>
-          <a:lnRef idx="2">
-            <a:schemeClr val="accent1"/>
-          </a:lnRef>
-          <a:fillRef idx="0">
-            <a:schemeClr val="accent1"/>
-          </a:fillRef>
-          <a:effectRef idx="1">
-            <a:schemeClr val="accent1"/>
-          </a:effectRef>
-          <a:fontRef idx="minor">
-            <a:schemeClr val="tx1"/>
-          </a:fontRef>
-        </p:style>
-      </p:cxnSp>
       <p:cxnSp>
         <p:nvCxnSpPr>
           <p:cNvPr id="43" name="Straight Arrow Connector 42"/>
@@ -24988,7 +24972,7 @@
                   <a:schemeClr val="tx1"/>
                 </a:solidFill>
               </a:rPr>
-              <a:t>APP</a:t>
+              <a:t>BR</a:t>
             </a:r>
             <a:endParaRPr lang="en-US" sz="1100" dirty="0">
               <a:solidFill>
@@ -25825,84 +25809,6 @@
           </a:p>
         </p:txBody>
       </p:sp>
-      <p:sp>
-        <p:nvSpPr>
-          <p:cNvPr id="3" name="Rectangle 2"/>
-          <p:cNvSpPr/>
-          <p:nvPr/>
-        </p:nvSpPr>
-        <p:spPr>
-          <a:xfrm>
-            <a:off x="4608525" y="5266337"/>
-            <a:ext cx="1774845" cy="369332"/>
-          </a:xfrm>
-          <a:prstGeom prst="rect">
-            <a:avLst/>
-          </a:prstGeom>
-          <a:solidFill>
-            <a:srgbClr val="93CDDD"/>
-          </a:solidFill>
-        </p:spPr>
-        <p:txBody>
-          <a:bodyPr wrap="none">
-            <a:spAutoFit/>
-          </a:bodyPr>
-          <a:lstStyle/>
-          <a:p>
-            <a:pPr algn="ctr"/>
-            <a:r>
-              <a:rPr lang="en-US" dirty="0" err="1"/>
-              <a:t>mbed</a:t>
-            </a:r>
-            <a:r>
-              <a:rPr lang="en-US" dirty="0"/>
-              <a:t> </a:t>
-            </a:r>
-            <a:r>
-              <a:rPr lang="en-US" dirty="0" smtClean="0"/>
-              <a:t>Java Client</a:t>
-            </a:r>
-            <a:endParaRPr lang="en-US" dirty="0"/>
-          </a:p>
-        </p:txBody>
-      </p:sp>
-      <p:cxnSp>
-        <p:nvCxnSpPr>
-          <p:cNvPr id="37" name="Straight Arrow Connector 36"/>
-          <p:cNvCxnSpPr/>
-          <p:nvPr/>
-        </p:nvCxnSpPr>
-        <p:spPr>
-          <a:xfrm flipH="1" flipV="1">
-            <a:off x="4455196" y="4928973"/>
-            <a:ext cx="561333" cy="337364"/>
-          </a:xfrm>
-          <a:prstGeom prst="straightConnector1">
-            <a:avLst/>
-          </a:prstGeom>
-          <a:ln>
-            <a:solidFill>
-              <a:schemeClr val="tx1"/>
-            </a:solidFill>
-            <a:prstDash val="dash"/>
-            <a:tailEnd type="arrow"/>
-          </a:ln>
-        </p:spPr>
-        <p:style>
-          <a:lnRef idx="2">
-            <a:schemeClr val="accent1"/>
-          </a:lnRef>
-          <a:fillRef idx="0">
-            <a:schemeClr val="accent1"/>
-          </a:fillRef>
-          <a:effectRef idx="1">
-            <a:schemeClr val="accent1"/>
-          </a:effectRef>
-          <a:fontRef idx="minor">
-            <a:schemeClr val="tx1"/>
-          </a:fontRef>
-        </p:style>
-      </p:cxnSp>
       <p:cxnSp>
         <p:nvCxnSpPr>
           <p:cNvPr id="43" name="Straight Arrow Connector 42"/>
@@ -26944,7 +26850,7 @@
                   <a:schemeClr val="tx1"/>
                 </a:solidFill>
               </a:rPr>
-              <a:t>APP</a:t>
+              <a:t>BR</a:t>
             </a:r>
             <a:endParaRPr lang="en-US" sz="1100" dirty="0">
               <a:solidFill>
@@ -27781,84 +27687,6 @@
           </a:p>
         </p:txBody>
       </p:sp>
-      <p:sp>
-        <p:nvSpPr>
-          <p:cNvPr id="3" name="Rectangle 2"/>
-          <p:cNvSpPr/>
-          <p:nvPr/>
-        </p:nvSpPr>
-        <p:spPr>
-          <a:xfrm>
-            <a:off x="4608525" y="5266337"/>
-            <a:ext cx="1774845" cy="369332"/>
-          </a:xfrm>
-          <a:prstGeom prst="rect">
-            <a:avLst/>
-          </a:prstGeom>
-          <a:solidFill>
-            <a:srgbClr val="93CDDD"/>
-          </a:solidFill>
-        </p:spPr>
-        <p:txBody>
-          <a:bodyPr wrap="none">
-            <a:spAutoFit/>
-          </a:bodyPr>
-          <a:lstStyle/>
-          <a:p>
-            <a:pPr algn="ctr"/>
-            <a:r>
-              <a:rPr lang="en-US" dirty="0" err="1"/>
-              <a:t>mbed</a:t>
-            </a:r>
-            <a:r>
-              <a:rPr lang="en-US" dirty="0"/>
-              <a:t> </a:t>
-            </a:r>
-            <a:r>
-              <a:rPr lang="en-US" dirty="0" smtClean="0"/>
-              <a:t>Java Client</a:t>
-            </a:r>
-            <a:endParaRPr lang="en-US" dirty="0"/>
-          </a:p>
-        </p:txBody>
-      </p:sp>
-      <p:cxnSp>
-        <p:nvCxnSpPr>
-          <p:cNvPr id="37" name="Straight Arrow Connector 36"/>
-          <p:cNvCxnSpPr/>
-          <p:nvPr/>
-        </p:nvCxnSpPr>
-        <p:spPr>
-          <a:xfrm flipH="1" flipV="1">
-            <a:off x="4455196" y="4928973"/>
-            <a:ext cx="561333" cy="337364"/>
-          </a:xfrm>
-          <a:prstGeom prst="straightConnector1">
-            <a:avLst/>
-          </a:prstGeom>
-          <a:ln>
-            <a:solidFill>
-              <a:schemeClr val="tx1"/>
-            </a:solidFill>
-            <a:prstDash val="dash"/>
-            <a:tailEnd type="arrow"/>
-          </a:ln>
-        </p:spPr>
-        <p:style>
-          <a:lnRef idx="2">
-            <a:schemeClr val="accent1"/>
-          </a:lnRef>
-          <a:fillRef idx="0">
-            <a:schemeClr val="accent1"/>
-          </a:fillRef>
-          <a:effectRef idx="1">
-            <a:schemeClr val="accent1"/>
-          </a:effectRef>
-          <a:fontRef idx="minor">
-            <a:schemeClr val="tx1"/>
-          </a:fontRef>
-        </p:style>
-      </p:cxnSp>
       <p:cxnSp>
         <p:nvCxnSpPr>
           <p:cNvPr id="43" name="Straight Arrow Connector 42"/>
@@ -28774,7 +28602,7 @@
                   <a:schemeClr val="tx1"/>
                 </a:solidFill>
               </a:rPr>
-              <a:t>APP</a:t>
+              <a:t>BR</a:t>
             </a:r>
             <a:endParaRPr lang="en-US" sz="1100" dirty="0">
               <a:solidFill>
@@ -29611,84 +29439,6 @@
           </a:p>
         </p:txBody>
       </p:sp>
-      <p:sp>
-        <p:nvSpPr>
-          <p:cNvPr id="3" name="Rectangle 2"/>
-          <p:cNvSpPr/>
-          <p:nvPr/>
-        </p:nvSpPr>
-        <p:spPr>
-          <a:xfrm>
-            <a:off x="4608525" y="5266337"/>
-            <a:ext cx="1774845" cy="369332"/>
-          </a:xfrm>
-          <a:prstGeom prst="rect">
-            <a:avLst/>
-          </a:prstGeom>
-          <a:solidFill>
-            <a:srgbClr val="93CDDD"/>
-          </a:solidFill>
-        </p:spPr>
-        <p:txBody>
-          <a:bodyPr wrap="none">
-            <a:spAutoFit/>
-          </a:bodyPr>
-          <a:lstStyle/>
-          <a:p>
-            <a:pPr algn="ctr"/>
-            <a:r>
-              <a:rPr lang="en-US" dirty="0" err="1"/>
-              <a:t>mbed</a:t>
-            </a:r>
-            <a:r>
-              <a:rPr lang="en-US" dirty="0"/>
-              <a:t> </a:t>
-            </a:r>
-            <a:r>
-              <a:rPr lang="en-US" dirty="0" smtClean="0"/>
-              <a:t>Java Client</a:t>
-            </a:r>
-            <a:endParaRPr lang="en-US" dirty="0"/>
-          </a:p>
-        </p:txBody>
-      </p:sp>
-      <p:cxnSp>
-        <p:nvCxnSpPr>
-          <p:cNvPr id="37" name="Straight Arrow Connector 36"/>
-          <p:cNvCxnSpPr/>
-          <p:nvPr/>
-        </p:nvCxnSpPr>
-        <p:spPr>
-          <a:xfrm flipH="1" flipV="1">
-            <a:off x="4455196" y="4928973"/>
-            <a:ext cx="561333" cy="337364"/>
-          </a:xfrm>
-          <a:prstGeom prst="straightConnector1">
-            <a:avLst/>
-          </a:prstGeom>
-          <a:ln>
-            <a:solidFill>
-              <a:schemeClr val="tx1"/>
-            </a:solidFill>
-            <a:prstDash val="dash"/>
-            <a:tailEnd type="arrow"/>
-          </a:ln>
-        </p:spPr>
-        <p:style>
-          <a:lnRef idx="2">
-            <a:schemeClr val="accent1"/>
-          </a:lnRef>
-          <a:fillRef idx="0">
-            <a:schemeClr val="accent1"/>
-          </a:fillRef>
-          <a:effectRef idx="1">
-            <a:schemeClr val="accent1"/>
-          </a:effectRef>
-          <a:fontRef idx="minor">
-            <a:schemeClr val="tx1"/>
-          </a:fontRef>
-        </p:style>
-      </p:cxnSp>
       <p:cxnSp>
         <p:nvCxnSpPr>
           <p:cNvPr id="43" name="Straight Arrow Connector 42"/>
